--- a/pitch/Gotta Go Pitch.pptx
+++ b/pitch/Gotta Go Pitch.pptx
@@ -18,6 +18,7 @@
     <p:sldId id="263" r:id="rId12"/>
     <p:sldId id="264" r:id="rId13"/>
     <p:sldId id="265" r:id="rId14"/>
+    <p:sldId id="266" r:id="rId15"/>
   </p:sldIdLst>
   <p:sldSz cy="5143500" cx="9144000"/>
   <p:notesSz cx="6858000" cy="9144000"/>
@@ -542,6 +543,101 @@
       <p:sp>
         <p:nvSpPr>
           <p:cNvPr id="115" name="Shape 115"/>
+          <p:cNvSpPr txBox="1"/>
+          <p:nvPr>
+            <p:ph idx="1" type="body"/>
+          </p:nvPr>
+        </p:nvSpPr>
+        <p:spPr>
+          <a:xfrm>
+            <a:off x="685800" y="4343400"/>
+            <a:ext cx="5486400" cy="4114800"/>
+          </a:xfrm>
+          <a:prstGeom prst="rect">
+            <a:avLst/>
+          </a:prstGeom>
+        </p:spPr>
+        <p:txBody>
+          <a:bodyPr anchorCtr="0" anchor="t" bIns="91425" lIns="91425" rIns="91425" wrap="square" tIns="91425">
+            <a:noAutofit/>
+          </a:bodyPr>
+          <a:lstStyle/>
+          <a:p>
+            <a:pPr lvl="0">
+              <a:spcBef>
+                <a:spcPts val="0"/>
+              </a:spcBef>
+              <a:buNone/>
+            </a:pPr>
+            <a:r>
+              <a:t/>
+            </a:r>
+            <a:endParaRPr/>
+          </a:p>
+        </p:txBody>
+      </p:sp>
+    </p:spTree>
+  </p:cSld>
+  <p:clrMapOvr>
+    <a:masterClrMapping/>
+  </p:clrMapOvr>
+</p:notes>
+</file>
+
+<file path=ppt/notesSlides/notesSlide11.xml><?xml version="1.0" encoding="utf-8"?>
+<p:notes xmlns:a="http://schemas.openxmlformats.org/drawingml/2006/main" xmlns:r="http://schemas.openxmlformats.org/officeDocument/2006/relationships" xmlns:mc="http://schemas.openxmlformats.org/markup-compatibility/2006" xmlns:mv="urn:schemas-microsoft-com:mac:vml" xmlns:p="http://schemas.openxmlformats.org/presentationml/2006/main" xmlns:c="http://schemas.openxmlformats.org/drawingml/2006/chart" xmlns:dgm="http://schemas.openxmlformats.org/drawingml/2006/diagram" xmlns:o="urn:schemas-microsoft-com:office:office" xmlns:v="urn:schemas-microsoft-com:vml" xmlns:pvml="urn:schemas-microsoft-com:office:powerpoint" xmlns:com="http://schemas.openxmlformats.org/drawingml/2006/compatibility" xmlns:p14="http://schemas.microsoft.com/office/powerpoint/2010/main" xmlns:p15="http://schemas.microsoft.com/office/powerpoint/2012/main" showMasterPhAnim="0" showMasterSp="0">
+  <p:cSld>
+    <p:spTree>
+      <p:nvGrpSpPr>
+        <p:cNvPr id="120" name="Shape 120"/>
+        <p:cNvGrpSpPr/>
+        <p:nvPr/>
+      </p:nvGrpSpPr>
+      <p:grpSpPr>
+        <a:xfrm>
+          <a:off x="0" y="0"/>
+          <a:ext cx="0" cy="0"/>
+          <a:chOff x="0" y="0"/>
+          <a:chExt cx="0" cy="0"/>
+        </a:xfrm>
+      </p:grpSpPr>
+      <p:sp>
+        <p:nvSpPr>
+          <p:cNvPr id="121" name="Shape 121"/>
+          <p:cNvSpPr/>
+          <p:nvPr>
+            <p:ph idx="2" type="sldImg"/>
+          </p:nvPr>
+        </p:nvSpPr>
+        <p:spPr>
+          <a:xfrm>
+            <a:off x="381300" y="685800"/>
+            <a:ext cx="6096000" cy="3429000"/>
+          </a:xfrm>
+          <a:custGeom>
+            <a:pathLst>
+              <a:path extrusionOk="0" h="120000" w="120000">
+                <a:moveTo>
+                  <a:pt x="0" y="0"/>
+                </a:moveTo>
+                <a:lnTo>
+                  <a:pt x="120000" y="0"/>
+                </a:lnTo>
+                <a:lnTo>
+                  <a:pt x="120000" y="120000"/>
+                </a:lnTo>
+                <a:lnTo>
+                  <a:pt x="0" y="120000"/>
+                </a:lnTo>
+                <a:close/>
+              </a:path>
+            </a:pathLst>
+          </a:custGeom>
+        </p:spPr>
+      </p:sp>
+      <p:sp>
+        <p:nvSpPr>
+          <p:cNvPr id="122" name="Shape 122"/>
           <p:cNvSpPr txBox="1"/>
           <p:nvPr>
             <p:ph idx="1" type="body"/>
@@ -4759,6 +4855,131 @@
       <p:pic>
         <p:nvPicPr>
           <p:cNvPr descr="08_vision.jpg" id="119" name="Shape 119"/>
+          <p:cNvPicPr preferRelativeResize="0"/>
+          <p:nvPr/>
+        </p:nvPicPr>
+        <p:blipFill>
+          <a:blip r:embed="rId3">
+            <a:alphaModFix/>
+          </a:blip>
+          <a:stretch>
+            <a:fillRect/>
+          </a:stretch>
+        </p:blipFill>
+        <p:spPr>
+          <a:xfrm>
+            <a:off x="0" y="0"/>
+            <a:ext cx="9144000" cy="5143500"/>
+          </a:xfrm>
+          <a:prstGeom prst="rect">
+            <a:avLst/>
+          </a:prstGeom>
+          <a:noFill/>
+          <a:ln>
+            <a:noFill/>
+          </a:ln>
+        </p:spPr>
+      </p:pic>
+    </p:spTree>
+  </p:cSld>
+  <p:clrMapOvr>
+    <a:masterClrMapping/>
+  </p:clrMapOvr>
+</p:sld>
+</file>
+
+<file path=ppt/slides/slide11.xml><?xml version="1.0" encoding="utf-8"?>
+<p:sld xmlns:a="http://schemas.openxmlformats.org/drawingml/2006/main" xmlns:r="http://schemas.openxmlformats.org/officeDocument/2006/relationships" xmlns:mc="http://schemas.openxmlformats.org/markup-compatibility/2006" xmlns:mv="urn:schemas-microsoft-com:mac:vml" xmlns:p="http://schemas.openxmlformats.org/presentationml/2006/main" xmlns:c="http://schemas.openxmlformats.org/drawingml/2006/chart" xmlns:dgm="http://schemas.openxmlformats.org/drawingml/2006/diagram" xmlns:o="urn:schemas-microsoft-com:office:office" xmlns:v="urn:schemas-microsoft-com:vml" xmlns:pvml="urn:schemas-microsoft-com:office:powerpoint" xmlns:com="http://schemas.openxmlformats.org/drawingml/2006/compatibility" xmlns:p14="http://schemas.microsoft.com/office/powerpoint/2010/main" xmlns:p15="http://schemas.microsoft.com/office/powerpoint/2012/main">
+  <p:cSld>
+    <p:spTree>
+      <p:nvGrpSpPr>
+        <p:cNvPr id="123" name="Shape 123"/>
+        <p:cNvGrpSpPr/>
+        <p:nvPr/>
+      </p:nvGrpSpPr>
+      <p:grpSpPr>
+        <a:xfrm>
+          <a:off x="0" y="0"/>
+          <a:ext cx="0" cy="0"/>
+          <a:chOff x="0" y="0"/>
+          <a:chExt cx="0" cy="0"/>
+        </a:xfrm>
+      </p:grpSpPr>
+      <p:sp>
+        <p:nvSpPr>
+          <p:cNvPr id="124" name="Shape 124"/>
+          <p:cNvSpPr txBox="1"/>
+          <p:nvPr>
+            <p:ph type="title"/>
+          </p:nvPr>
+        </p:nvSpPr>
+        <p:spPr>
+          <a:xfrm>
+            <a:off x="311700" y="445025"/>
+            <a:ext cx="8520600" cy="572700"/>
+          </a:xfrm>
+          <a:prstGeom prst="rect">
+            <a:avLst/>
+          </a:prstGeom>
+        </p:spPr>
+        <p:txBody>
+          <a:bodyPr anchorCtr="0" anchor="t" bIns="91425" lIns="91425" rIns="91425" wrap="square" tIns="91425">
+            <a:noAutofit/>
+          </a:bodyPr>
+          <a:lstStyle/>
+          <a:p>
+            <a:pPr lvl="0">
+              <a:spcBef>
+                <a:spcPts val="0"/>
+              </a:spcBef>
+              <a:buNone/>
+            </a:pPr>
+            <a:r>
+              <a:t/>
+            </a:r>
+            <a:endParaRPr/>
+          </a:p>
+        </p:txBody>
+      </p:sp>
+      <p:sp>
+        <p:nvSpPr>
+          <p:cNvPr id="125" name="Shape 125"/>
+          <p:cNvSpPr txBox="1"/>
+          <p:nvPr>
+            <p:ph idx="1" type="body"/>
+          </p:nvPr>
+        </p:nvSpPr>
+        <p:spPr>
+          <a:xfrm>
+            <a:off x="311700" y="1152475"/>
+            <a:ext cx="8520600" cy="3416400"/>
+          </a:xfrm>
+          <a:prstGeom prst="rect">
+            <a:avLst/>
+          </a:prstGeom>
+        </p:spPr>
+        <p:txBody>
+          <a:bodyPr anchorCtr="0" anchor="t" bIns="91425" lIns="91425" rIns="91425" wrap="square" tIns="91425">
+            <a:noAutofit/>
+          </a:bodyPr>
+          <a:lstStyle/>
+          <a:p>
+            <a:pPr lvl="0">
+              <a:spcBef>
+                <a:spcPts val="0"/>
+              </a:spcBef>
+              <a:buNone/>
+            </a:pPr>
+            <a:r>
+              <a:t/>
+            </a:r>
+            <a:endParaRPr/>
+          </a:p>
+        </p:txBody>
+      </p:sp>
+      <p:pic>
+        <p:nvPicPr>
+          <p:cNvPr id="126" name="Shape 126"/>
           <p:cNvPicPr preferRelativeResize="0"/>
           <p:nvPr/>
         </p:nvPicPr>
